--- a/slides/1 Introduction to CTA.pptx
+++ b/slides/1 Introduction to CTA.pptx
@@ -133,6 +133,11 @@
       </a:defRPr>
     </a:lvl9pPr>
   </p:defaultTextStyle>
+  <p:extLst>
+    <p:ext uri="{EFAFB233-063F-42B5-8137-9DF3F51BA10A}">
+      <p15:sldGuideLst xmlns:p15="http://schemas.microsoft.com/office/powerpoint/2012/main"/>
+    </p:ext>
+  </p:extLst>
 </p:presentation>
 </file>
 
@@ -226,7 +231,7 @@
           <a:p>
             <a:fld id="{C8AA7006-4415-CD4E-8A1D-35DC06DE4EE9}" type="datetimeFigureOut">
               <a:rPr lang="en-US" smtClean="0"/>
-              <a:t>12/20/23</a:t>
+              <a:t>1/2/24</a:t>
             </a:fld>
             <a:endParaRPr lang="en-US"/>
           </a:p>
@@ -1788,7 +1793,7 @@
           <a:p>
             <a:fld id="{1500E504-7D07-2C4E-9EAF-433CDC3D5B2E}" type="datetimeFigureOut">
               <a:rPr lang="en-US" smtClean="0"/>
-              <a:t>12/20/23</a:t>
+              <a:t>1/2/24</a:t>
             </a:fld>
             <a:endParaRPr lang="en-US"/>
           </a:p>
@@ -2026,7 +2031,7 @@
           <a:p>
             <a:fld id="{1500E504-7D07-2C4E-9EAF-433CDC3D5B2E}" type="datetimeFigureOut">
               <a:rPr lang="en-US" smtClean="0"/>
-              <a:t>12/20/23</a:t>
+              <a:t>1/2/24</a:t>
             </a:fld>
             <a:endParaRPr lang="en-US"/>
           </a:p>
@@ -2206,7 +2211,7 @@
           <a:p>
             <a:fld id="{1500E504-7D07-2C4E-9EAF-433CDC3D5B2E}" type="datetimeFigureOut">
               <a:rPr lang="en-US" smtClean="0"/>
-              <a:t>12/20/23</a:t>
+              <a:t>1/2/24</a:t>
             </a:fld>
             <a:endParaRPr lang="en-US"/>
           </a:p>
@@ -2376,7 +2381,7 @@
           <a:p>
             <a:fld id="{1500E504-7D07-2C4E-9EAF-433CDC3D5B2E}" type="datetimeFigureOut">
               <a:rPr lang="en-US" smtClean="0"/>
-              <a:t>12/20/23</a:t>
+              <a:t>1/2/24</a:t>
             </a:fld>
             <a:endParaRPr lang="en-US"/>
           </a:p>
@@ -2652,7 +2657,7 @@
           <a:p>
             <a:fld id="{1500E504-7D07-2C4E-9EAF-433CDC3D5B2E}" type="datetimeFigureOut">
               <a:rPr lang="en-US" smtClean="0"/>
-              <a:t>12/20/23</a:t>
+              <a:t>1/2/24</a:t>
             </a:fld>
             <a:endParaRPr lang="en-US"/>
           </a:p>
@@ -3853,7 +3858,7 @@
           <a:p>
             <a:fld id="{1500E504-7D07-2C4E-9EAF-433CDC3D5B2E}" type="datetimeFigureOut">
               <a:rPr lang="en-US" smtClean="0"/>
-              <a:t>12/20/23</a:t>
+              <a:t>1/2/24</a:t>
             </a:fld>
             <a:endParaRPr lang="en-US"/>
           </a:p>
@@ -4243,7 +4248,7 @@
           <a:p>
             <a:fld id="{1500E504-7D07-2C4E-9EAF-433CDC3D5B2E}" type="datetimeFigureOut">
               <a:rPr lang="en-US" smtClean="0"/>
-              <a:t>12/20/23</a:t>
+              <a:t>1/2/24</a:t>
             </a:fld>
             <a:endParaRPr lang="en-US"/>
           </a:p>
@@ -4366,7 +4371,7 @@
           <a:p>
             <a:fld id="{1500E504-7D07-2C4E-9EAF-433CDC3D5B2E}" type="datetimeFigureOut">
               <a:rPr lang="en-US" smtClean="0"/>
-              <a:t>12/20/23</a:t>
+              <a:t>1/2/24</a:t>
             </a:fld>
             <a:endParaRPr lang="en-US"/>
           </a:p>
@@ -4461,7 +4466,7 @@
           <a:p>
             <a:fld id="{1500E504-7D07-2C4E-9EAF-433CDC3D5B2E}" type="datetimeFigureOut">
               <a:rPr lang="en-US" smtClean="0"/>
-              <a:t>12/20/23</a:t>
+              <a:t>1/2/24</a:t>
             </a:fld>
             <a:endParaRPr lang="en-US"/>
           </a:p>
@@ -5224,7 +5229,7 @@
           <a:p>
             <a:fld id="{1500E504-7D07-2C4E-9EAF-433CDC3D5B2E}" type="datetimeFigureOut">
               <a:rPr lang="en-US" smtClean="0"/>
-              <a:t>12/20/23</a:t>
+              <a:t>1/2/24</a:t>
             </a:fld>
             <a:endParaRPr lang="en-US"/>
           </a:p>
@@ -6064,7 +6069,7 @@
           <a:p>
             <a:fld id="{1500E504-7D07-2C4E-9EAF-433CDC3D5B2E}" type="datetimeFigureOut">
               <a:rPr lang="en-US" smtClean="0"/>
-              <a:t>12/20/23</a:t>
+              <a:t>1/2/24</a:t>
             </a:fld>
             <a:endParaRPr lang="en-US"/>
           </a:p>
@@ -6291,7 +6296,7 @@
           <a:p>
             <a:fld id="{1500E504-7D07-2C4E-9EAF-433CDC3D5B2E}" type="datetimeFigureOut">
               <a:rPr lang="en-US" smtClean="0"/>
-              <a:t>12/20/23</a:t>
+              <a:t>1/2/24</a:t>
             </a:fld>
             <a:endParaRPr lang="en-US"/>
           </a:p>
@@ -10618,7 +10623,17 @@
           <a:p>
             <a:r>
               <a:rPr lang="en-US" dirty="0"/>
-              <a:t>All the code in the class, as well as all the exercises for homework, can be found at TBD. </a:t>
+              <a:t>All the code in the class, as well as all the exercises for homework, can be found at the course’s webpage: </a:t>
+            </a:r>
+            <a:r>
+              <a:rPr lang="en-US" dirty="0">
+                <a:hlinkClick r:id="rId2"/>
+              </a:rPr>
+              <a:t>https://svallejovera.github.io/cpa_uwo/</a:t>
+            </a:r>
+            <a:r>
+              <a:rPr lang="en-US" dirty="0"/>
+              <a:t>  </a:t>
             </a:r>
           </a:p>
         </p:txBody>
@@ -11064,12 +11079,8 @@
               <a:t>Mostly</a:t>
             </a:r>
             <a:r>
-              <a:rPr lang="es-ES_tradnl" dirty="0"/>
-              <a:t>  </a:t>
-            </a:r>
-            <a:r>
-              <a:rPr lang="es-ES_tradnl" dirty="0" err="1"/>
-              <a:t>by</a:t>
+              <a:rPr lang="es-ES_tradnl"/>
+              <a:t> by</a:t>
             </a:r>
             <a:r>
               <a:rPr lang="es-ES_tradnl" dirty="0"/>
